--- a/files/2015-lecture1-welcome.pptx
+++ b/files/2015-lecture1-welcome.pptx
@@ -5,7 +5,7 @@
     <p:sldMasterId id="2147483660" r:id="rId1"/>
   </p:sldMasterIdLst>
   <p:notesMasterIdLst>
-    <p:notesMasterId r:id="rId30"/>
+    <p:notesMasterId r:id="rId31"/>
   </p:notesMasterIdLst>
   <p:sldIdLst>
     <p:sldId id="302" r:id="rId2"/>
@@ -17,25 +17,26 @@
     <p:sldId id="306" r:id="rId8"/>
     <p:sldId id="265" r:id="rId9"/>
     <p:sldId id="269" r:id="rId10"/>
-    <p:sldId id="311" r:id="rId11"/>
-    <p:sldId id="273" r:id="rId12"/>
-    <p:sldId id="312" r:id="rId13"/>
-    <p:sldId id="299" r:id="rId14"/>
-    <p:sldId id="300" r:id="rId15"/>
-    <p:sldId id="314" r:id="rId16"/>
-    <p:sldId id="274" r:id="rId17"/>
-    <p:sldId id="293" r:id="rId18"/>
-    <p:sldId id="278" r:id="rId19"/>
-    <p:sldId id="280" r:id="rId20"/>
-    <p:sldId id="277" r:id="rId21"/>
-    <p:sldId id="281" r:id="rId22"/>
-    <p:sldId id="284" r:id="rId23"/>
-    <p:sldId id="285" r:id="rId24"/>
-    <p:sldId id="286" r:id="rId25"/>
-    <p:sldId id="287" r:id="rId26"/>
-    <p:sldId id="297" r:id="rId27"/>
-    <p:sldId id="298" r:id="rId28"/>
-    <p:sldId id="313" r:id="rId29"/>
+    <p:sldId id="316" r:id="rId11"/>
+    <p:sldId id="311" r:id="rId12"/>
+    <p:sldId id="273" r:id="rId13"/>
+    <p:sldId id="312" r:id="rId14"/>
+    <p:sldId id="299" r:id="rId15"/>
+    <p:sldId id="300" r:id="rId16"/>
+    <p:sldId id="314" r:id="rId17"/>
+    <p:sldId id="274" r:id="rId18"/>
+    <p:sldId id="293" r:id="rId19"/>
+    <p:sldId id="278" r:id="rId20"/>
+    <p:sldId id="280" r:id="rId21"/>
+    <p:sldId id="277" r:id="rId22"/>
+    <p:sldId id="281" r:id="rId23"/>
+    <p:sldId id="284" r:id="rId24"/>
+    <p:sldId id="285" r:id="rId25"/>
+    <p:sldId id="286" r:id="rId26"/>
+    <p:sldId id="287" r:id="rId27"/>
+    <p:sldId id="297" r:id="rId28"/>
+    <p:sldId id="298" r:id="rId29"/>
+    <p:sldId id="313" r:id="rId30"/>
   </p:sldIdLst>
   <p:sldSz cx="9144000" cy="6858000" type="screen4x3"/>
   <p:notesSz cx="6858000" cy="9144000"/>
@@ -560,7 +561,7 @@
           <a:p>
             <a:fld id="{08D7F14F-7ABD-AB41-B10C-D65CA075302D}" type="slidenum">
               <a:rPr lang="en-US" smtClean="0"/>
-              <a:t>17</a:t>
+              <a:t>18</a:t>
             </a:fld>
             <a:endParaRPr lang="en-US"/>
           </a:p>
@@ -8064,75 +8065,77 @@
         </p:nvSpPr>
         <p:spPr/>
         <p:txBody>
+          <a:bodyPr/>
+          <a:lstStyle/>
+          <a:p>
+            <a:r>
+              <a:rPr lang="en-US" dirty="0" smtClean="0"/>
+              <a:t>Workshop materials</a:t>
+            </a:r>
+            <a:endParaRPr lang="en-US" dirty="0"/>
+          </a:p>
+        </p:txBody>
+      </p:sp>
+      <p:sp>
+        <p:nvSpPr>
+          <p:cNvPr id="3" name="Content Placeholder 2"/>
+          <p:cNvSpPr>
+            <a:spLocks noGrp="1"/>
+          </p:cNvSpPr>
+          <p:nvPr>
+            <p:ph idx="1"/>
+          </p:nvPr>
+        </p:nvSpPr>
+        <p:spPr/>
+        <p:txBody>
           <a:bodyPr>
-            <a:normAutofit/>
+            <a:normAutofit lnSpcReduction="10000"/>
           </a:bodyPr>
           <a:lstStyle/>
           <a:p>
-            <a:r>
-              <a:rPr lang="en-US" sz="4000" dirty="0" smtClean="0"/>
-              <a:t>Something that we don’t talk about enough in this workshop:</a:t>
-            </a:r>
-            <a:endParaRPr lang="en-US" sz="4000" dirty="0"/>
-          </a:p>
-        </p:txBody>
-      </p:sp>
-      <p:sp>
-        <p:nvSpPr>
-          <p:cNvPr id="3" name="Content Placeholder 2"/>
-          <p:cNvSpPr>
-            <a:spLocks noGrp="1"/>
-          </p:cNvSpPr>
-          <p:nvPr>
-            <p:ph idx="1"/>
-          </p:nvPr>
-        </p:nvSpPr>
-        <p:spPr/>
-        <p:txBody>
-          <a:bodyPr/>
-          <a:lstStyle/>
-          <a:p>
-            <a:pPr marL="0" indent="0">
+            <a:pPr marL="0" indent="0" algn="ctr">
               <a:buNone/>
             </a:pPr>
             <a:r>
               <a:rPr lang="en-US" dirty="0" smtClean="0"/>
-              <a:t>Most / best bioinformatics information is online:</a:t>
-            </a:r>
-          </a:p>
-          <a:p>
-            <a:r>
-              <a:rPr lang="en-US" dirty="0" smtClean="0"/>
-              <a:t>Blogs</a:t>
-            </a:r>
-          </a:p>
-          <a:p>
-            <a:r>
-              <a:rPr lang="en-US" dirty="0" smtClean="0"/>
-              <a:t>Twitter</a:t>
-            </a:r>
-          </a:p>
-          <a:p>
-            <a:r>
-              <a:rPr lang="en-US" dirty="0" err="1" smtClean="0"/>
-              <a:t>SeqAnswers</a:t>
-            </a:r>
+              <a:t>All the workshop materials will be openly available forever!</a:t>
+            </a:r>
+          </a:p>
+          <a:p>
+            <a:pPr marL="0" indent="0" algn="ctr">
+              <a:buNone/>
+            </a:pPr>
+            <a:r>
+              <a:rPr lang="en-US" dirty="0" smtClean="0"/>
+              <a:t>(Or at least indefinitely.)</a:t>
+            </a:r>
+          </a:p>
+          <a:p>
+            <a:pPr marL="0" indent="0" algn="ctr">
+              <a:buNone/>
+            </a:pPr>
+            <a:r>
+              <a:rPr lang="en-US" dirty="0" smtClean="0"/>
+              <a:t>You can download them and cherish them forever (I’m happy to show you how</a:t>
+            </a:r>
+            <a:r>
+              <a:rPr lang="en-US" smtClean="0"/>
+              <a:t>).</a:t>
+            </a:r>
+          </a:p>
+          <a:p>
+            <a:pPr marL="0" indent="0" algn="ctr">
+              <a:buNone/>
+            </a:pPr>
             <a:endParaRPr lang="en-US" dirty="0" smtClean="0"/>
           </a:p>
           <a:p>
-            <a:r>
-              <a:rPr lang="en-US" dirty="0" err="1" smtClean="0"/>
-              <a:t>Biostars</a:t>
-            </a:r>
-            <a:endParaRPr lang="en-US" dirty="0" smtClean="0"/>
-          </a:p>
-          <a:p>
             <a:pPr marL="0" indent="0" algn="ctr">
               <a:buNone/>
             </a:pPr>
             <a:r>
               <a:rPr lang="en-US" dirty="0" smtClean="0"/>
-              <a:t>Spend some time poking around while you’re here.  We have some suggestions on the course web site.</a:t>
+              <a:t>They may not be up to date until ~the lecture/tutorial, though.</a:t>
             </a:r>
             <a:endParaRPr lang="en-US" dirty="0"/>
           </a:p>
@@ -8141,7 +8144,7 @@
     </p:spTree>
     <p:extLst>
       <p:ext uri="{BB962C8B-B14F-4D97-AF65-F5344CB8AC3E}">
-        <p14:creationId xmlns:p14="http://schemas.microsoft.com/office/powerpoint/2010/main" val="2890101165"/>
+        <p14:creationId xmlns:p14="http://schemas.microsoft.com/office/powerpoint/2010/main" val="1347759825"/>
       </p:ext>
     </p:extLst>
   </p:cSld>
@@ -8180,78 +8183,84 @@
         </p:nvSpPr>
         <p:spPr/>
         <p:txBody>
+          <a:bodyPr>
+            <a:normAutofit/>
+          </a:bodyPr>
+          <a:lstStyle/>
+          <a:p>
+            <a:r>
+              <a:rPr lang="en-US" sz="4000" dirty="0" smtClean="0"/>
+              <a:t>Something that we don’t talk about enough in this workshop:</a:t>
+            </a:r>
+            <a:endParaRPr lang="en-US" sz="4000" dirty="0"/>
+          </a:p>
+        </p:txBody>
+      </p:sp>
+      <p:sp>
+        <p:nvSpPr>
+          <p:cNvPr id="3" name="Content Placeholder 2"/>
+          <p:cNvSpPr>
+            <a:spLocks noGrp="1"/>
+          </p:cNvSpPr>
+          <p:nvPr>
+            <p:ph idx="1"/>
+          </p:nvPr>
+        </p:nvSpPr>
+        <p:spPr/>
+        <p:txBody>
           <a:bodyPr/>
           <a:lstStyle/>
           <a:p>
-            <a:r>
-              <a:rPr lang="en-US" dirty="0" smtClean="0"/>
-              <a:t>Written rules</a:t>
+            <a:pPr marL="0" indent="0">
+              <a:buNone/>
+            </a:pPr>
+            <a:r>
+              <a:rPr lang="en-US" dirty="0" smtClean="0"/>
+              <a:t>Most / best bioinformatics information is online:</a:t>
+            </a:r>
+          </a:p>
+          <a:p>
+            <a:r>
+              <a:rPr lang="en-US" dirty="0" smtClean="0"/>
+              <a:t>Blogs</a:t>
+            </a:r>
+          </a:p>
+          <a:p>
+            <a:r>
+              <a:rPr lang="en-US" dirty="0" smtClean="0"/>
+              <a:t>Twitter</a:t>
+            </a:r>
+          </a:p>
+          <a:p>
+            <a:r>
+              <a:rPr lang="en-US" dirty="0" err="1" smtClean="0"/>
+              <a:t>SeqAnswers</a:t>
+            </a:r>
+            <a:endParaRPr lang="en-US" dirty="0" smtClean="0"/>
+          </a:p>
+          <a:p>
+            <a:r>
+              <a:rPr lang="en-US" dirty="0" err="1" smtClean="0"/>
+              <a:t>Biostars</a:t>
+            </a:r>
+            <a:endParaRPr lang="en-US" dirty="0" smtClean="0"/>
+          </a:p>
+          <a:p>
+            <a:pPr marL="0" indent="0" algn="ctr">
+              <a:buNone/>
+            </a:pPr>
+            <a:r>
+              <a:rPr lang="en-US" dirty="0" smtClean="0"/>
+              <a:t>Spend some time poking around while you’re here.  We have some suggestions on the course web site.</a:t>
             </a:r>
             <a:endParaRPr lang="en-US" dirty="0"/>
-          </a:p>
-        </p:txBody>
-      </p:sp>
-      <p:sp>
-        <p:nvSpPr>
-          <p:cNvPr id="3" name="Content Placeholder 2"/>
-          <p:cNvSpPr>
-            <a:spLocks noGrp="1"/>
-          </p:cNvSpPr>
-          <p:nvPr>
-            <p:ph idx="1"/>
-          </p:nvPr>
-        </p:nvSpPr>
-        <p:spPr/>
-        <p:txBody>
-          <a:bodyPr/>
-          <a:lstStyle/>
-          <a:p>
-            <a:pPr marL="0" indent="0" algn="ctr">
-              <a:buNone/>
-            </a:pPr>
-            <a:r>
-              <a:rPr lang="en-US" dirty="0" smtClean="0"/>
-              <a:t>No </a:t>
-            </a:r>
-            <a:r>
-              <a:rPr lang="en-US" dirty="0" smtClean="0"/>
-              <a:t>night-swimming without a buddy</a:t>
-            </a:r>
-            <a:r>
-              <a:rPr lang="en-US" dirty="0" smtClean="0"/>
-              <a:t>.</a:t>
-            </a:r>
-          </a:p>
-          <a:p>
-            <a:pPr marL="0" indent="0" algn="ctr">
-              <a:buNone/>
-            </a:pPr>
-            <a:endParaRPr lang="en-US" dirty="0"/>
-          </a:p>
-          <a:p>
-            <a:pPr marL="0" indent="0" algn="ctr">
-              <a:buNone/>
-            </a:pPr>
-            <a:r>
-              <a:rPr lang="en-US" dirty="0" smtClean="0"/>
-              <a:t>I mean it.</a:t>
-            </a:r>
-          </a:p>
-          <a:p>
-            <a:endParaRPr lang="en-US" dirty="0" smtClean="0"/>
-          </a:p>
-          <a:p>
-            <a:pPr>
-              <a:buNone/>
-            </a:pPr>
-            <a:endParaRPr lang="en-US" dirty="0" smtClean="0"/>
           </a:p>
         </p:txBody>
       </p:sp>
     </p:spTree>
     <p:extLst>
       <p:ext uri="{BB962C8B-B14F-4D97-AF65-F5344CB8AC3E}">
-        <p14:creationId xmlns:p14="http://schemas.microsoft.com/office/powerpoint/2010/main" val="2090137228"/>
+        <p14:creationId xmlns:p14="http://schemas.microsoft.com/office/powerpoint/2010/main" val="2890101165"/>
       </p:ext>
     </p:extLst>
   </p:cSld>
@@ -8295,7 +8304,7 @@
           <a:p>
             <a:r>
               <a:rPr lang="en-US" dirty="0" smtClean="0"/>
-              <a:t>Code of Conduct</a:t>
+              <a:t>Written rules</a:t>
             </a:r>
             <a:endParaRPr lang="en-US" dirty="0"/>
           </a:p>
@@ -8313,39 +8322,24 @@
         </p:nvSpPr>
         <p:spPr/>
         <p:txBody>
-          <a:bodyPr>
-            <a:normAutofit fontScale="92500" lnSpcReduction="10000"/>
-          </a:bodyPr>
+          <a:bodyPr/>
           <a:lstStyle/>
           <a:p>
             <a:pPr marL="0" indent="0" algn="ctr">
               <a:buNone/>
             </a:pPr>
             <a:r>
-              <a:rPr lang="en-US" dirty="0">
-                <a:hlinkClick r:id="rId2"/>
-              </a:rPr>
-              <a:t>http://angus.readthedocs.org/en/</a:t>
-            </a:r>
-            <a:r>
-              <a:rPr lang="en-US" dirty="0" smtClean="0">
-                <a:hlinkClick r:id="rId2"/>
-              </a:rPr>
-              <a:t>2015/</a:t>
-            </a:r>
-            <a:r>
-              <a:rPr lang="en-US" dirty="0">
-                <a:hlinkClick r:id="rId2"/>
-              </a:rPr>
-              <a:t>code-of-</a:t>
-            </a:r>
-            <a:r>
-              <a:rPr lang="en-US" dirty="0" smtClean="0">
-                <a:hlinkClick r:id="rId2"/>
-              </a:rPr>
-              <a:t>conduct.html</a:t>
-            </a:r>
-            <a:endParaRPr lang="en-US" dirty="0" smtClean="0"/>
+              <a:rPr lang="en-US" dirty="0" smtClean="0"/>
+              <a:t>No </a:t>
+            </a:r>
+            <a:r>
+              <a:rPr lang="en-US" dirty="0" smtClean="0"/>
+              <a:t>night-swimming without a buddy</a:t>
+            </a:r>
+            <a:r>
+              <a:rPr lang="en-US" dirty="0" smtClean="0"/>
+              <a:t>.</a:t>
+            </a:r>
           </a:p>
           <a:p>
             <a:pPr marL="0" indent="0" algn="ctr">
@@ -8358,17 +8352,11 @@
               <a:buNone/>
             </a:pPr>
             <a:r>
-              <a:rPr lang="en-US" dirty="0" err="1" smtClean="0"/>
-              <a:t>tl;dr</a:t>
-            </a:r>
-            <a:r>
-              <a:rPr lang="en-US" dirty="0" smtClean="0"/>
-              <a:t>? </a:t>
-            </a:r>
-            <a:r>
-              <a:rPr lang="en-US" b="1" dirty="0" smtClean="0"/>
-              <a:t>Don’t be a jerk.</a:t>
-            </a:r>
+              <a:rPr lang="en-US" dirty="0" smtClean="0"/>
+              <a:t>I mean it.</a:t>
+            </a:r>
+          </a:p>
+          <a:p>
             <a:endParaRPr lang="en-US" dirty="0" smtClean="0"/>
           </a:p>
           <a:p>
@@ -8376,39 +8364,13 @@
               <a:buNone/>
             </a:pPr>
             <a:endParaRPr lang="en-US" dirty="0" smtClean="0"/>
-          </a:p>
-          <a:p>
-            <a:pPr algn="ctr">
-              <a:buNone/>
-            </a:pPr>
-            <a:r>
-              <a:rPr lang="en-US" dirty="0" smtClean="0"/>
-              <a:t>I will post Judi Brown Clark’s contact information on the wall shortly.</a:t>
-            </a:r>
-          </a:p>
-          <a:p>
-            <a:pPr algn="ctr">
-              <a:buNone/>
-            </a:pPr>
-            <a:r>
-              <a:rPr lang="en-US" dirty="0" smtClean="0"/>
-              <a:t>Note: this is not because of known prior problems, </a:t>
-            </a:r>
-            <a:r>
-              <a:rPr lang="en-US" dirty="0" smtClean="0"/>
-              <a:t>ICYAW</a:t>
-            </a:r>
-            <a:r>
-              <a:rPr lang="en-US" dirty="0" smtClean="0"/>
-              <a:t>.</a:t>
-            </a:r>
           </a:p>
         </p:txBody>
       </p:sp>
     </p:spTree>
     <p:extLst>
       <p:ext uri="{BB962C8B-B14F-4D97-AF65-F5344CB8AC3E}">
-        <p14:creationId xmlns:p14="http://schemas.microsoft.com/office/powerpoint/2010/main" val="3655174652"/>
+        <p14:creationId xmlns:p14="http://schemas.microsoft.com/office/powerpoint/2010/main" val="2090137228"/>
       </p:ext>
     </p:extLst>
   </p:cSld>
@@ -8452,7 +8414,7 @@
           <a:p>
             <a:r>
               <a:rPr lang="en-US" dirty="0" smtClean="0"/>
-              <a:t>Food and drink</a:t>
+              <a:t>Code of Conduct</a:t>
             </a:r>
             <a:endParaRPr lang="en-US" dirty="0"/>
           </a:p>
@@ -8470,53 +8432,102 @@
         </p:nvSpPr>
         <p:spPr/>
         <p:txBody>
-          <a:bodyPr/>
+          <a:bodyPr>
+            <a:normAutofit fontScale="92500" lnSpcReduction="10000"/>
+          </a:bodyPr>
           <a:lstStyle/>
           <a:p>
-            <a:r>
-              <a:rPr lang="en-US" dirty="0" smtClean="0"/>
-              <a:t>Anything group-intended can be purchased by </a:t>
-            </a:r>
-            <a:r>
-              <a:rPr lang="en-US" dirty="0" smtClean="0"/>
-              <a:t>Jessica.  </a:t>
-            </a:r>
-            <a:r>
-              <a:rPr lang="en-US" dirty="0" smtClean="0"/>
-              <a:t>Please write it down on the list in the back.</a:t>
-            </a:r>
-          </a:p>
-          <a:p>
-            <a:r>
-              <a:rPr lang="en-US" dirty="0" smtClean="0"/>
-              <a:t>Jessica can </a:t>
-            </a:r>
-            <a:r>
-              <a:rPr lang="en-US" dirty="0" smtClean="0"/>
-              <a:t>also drive you to the market; he’ll probably go every two or three days.</a:t>
-            </a:r>
-          </a:p>
-          <a:p>
-            <a:r>
-              <a:rPr lang="en-US" dirty="0" smtClean="0"/>
-              <a:t>Please don’t ask </a:t>
-            </a:r>
-            <a:r>
-              <a:rPr lang="en-US" dirty="0" smtClean="0"/>
-              <a:t>Jessica to </a:t>
-            </a:r>
-            <a:r>
-              <a:rPr lang="en-US" dirty="0" smtClean="0"/>
-              <a:t>spot you $$; ask me.</a:t>
-            </a:r>
+            <a:pPr marL="0" indent="0" algn="ctr">
+              <a:buNone/>
+            </a:pPr>
+            <a:r>
+              <a:rPr lang="en-US" dirty="0">
+                <a:hlinkClick r:id="rId2"/>
+              </a:rPr>
+              <a:t>http://angus.readthedocs.org/en/</a:t>
+            </a:r>
+            <a:r>
+              <a:rPr lang="en-US" dirty="0" smtClean="0">
+                <a:hlinkClick r:id="rId2"/>
+              </a:rPr>
+              <a:t>2015/</a:t>
+            </a:r>
+            <a:r>
+              <a:rPr lang="en-US" dirty="0">
+                <a:hlinkClick r:id="rId2"/>
+              </a:rPr>
+              <a:t>code-of-</a:t>
+            </a:r>
+            <a:r>
+              <a:rPr lang="en-US" dirty="0" smtClean="0">
+                <a:hlinkClick r:id="rId2"/>
+              </a:rPr>
+              <a:t>conduct.html</a:t>
+            </a:r>
+            <a:endParaRPr lang="en-US" dirty="0" smtClean="0"/>
+          </a:p>
+          <a:p>
+            <a:pPr marL="0" indent="0" algn="ctr">
+              <a:buNone/>
+            </a:pPr>
             <a:endParaRPr lang="en-US" dirty="0"/>
+          </a:p>
+          <a:p>
+            <a:pPr marL="0" indent="0" algn="ctr">
+              <a:buNone/>
+            </a:pPr>
+            <a:r>
+              <a:rPr lang="en-US" dirty="0" err="1" smtClean="0"/>
+              <a:t>tl;dr</a:t>
+            </a:r>
+            <a:r>
+              <a:rPr lang="en-US" dirty="0" smtClean="0"/>
+              <a:t>? </a:t>
+            </a:r>
+            <a:r>
+              <a:rPr lang="en-US" b="1" dirty="0" smtClean="0"/>
+              <a:t>Don’t be a jerk.</a:t>
+            </a:r>
+            <a:endParaRPr lang="en-US" dirty="0" smtClean="0"/>
+          </a:p>
+          <a:p>
+            <a:pPr>
+              <a:buNone/>
+            </a:pPr>
+            <a:endParaRPr lang="en-US" dirty="0" smtClean="0"/>
+          </a:p>
+          <a:p>
+            <a:pPr algn="ctr">
+              <a:buNone/>
+            </a:pPr>
+            <a:r>
+              <a:rPr lang="en-US" dirty="0" smtClean="0"/>
+              <a:t>I will post Judi Brown Clark’s contact information on the wall shortly.</a:t>
+            </a:r>
+          </a:p>
+          <a:p>
+            <a:pPr algn="ctr">
+              <a:buNone/>
+            </a:pPr>
+            <a:r>
+              <a:rPr lang="en-US" dirty="0" smtClean="0"/>
+              <a:t>Note: this is not because of known prior problems, </a:t>
+            </a:r>
+            <a:r>
+              <a:rPr lang="en-US" dirty="0" smtClean="0"/>
+              <a:t>ICYAW</a:t>
+            </a:r>
+            <a:r>
+              <a:rPr lang="en-US" dirty="0" smtClean="0"/>
+              <a:t>.</a:t>
+            </a:r>
           </a:p>
         </p:txBody>
       </p:sp>
     </p:spTree>
     <p:extLst>
       <p:ext uri="{BB962C8B-B14F-4D97-AF65-F5344CB8AC3E}">
-        <p14:creationId xmlns:p14="http://schemas.microsoft.com/office/powerpoint/2010/main" val="333238563"/>
+        <p14:creationId xmlns:p14="http://schemas.microsoft.com/office/powerpoint/2010/main" val="3655174652"/>
       </p:ext>
     </p:extLst>
   </p:cSld>
@@ -8560,7 +8571,7 @@
           <a:p>
             <a:r>
               <a:rPr lang="en-US" dirty="0" smtClean="0"/>
-              <a:t>Games and location.</a:t>
+              <a:t>Food and drink</a:t>
             </a:r>
             <a:endParaRPr lang="en-US" dirty="0"/>
           </a:p>
@@ -8583,52 +8594,39 @@
           <a:p>
             <a:r>
               <a:rPr lang="en-US" dirty="0" smtClean="0"/>
-              <a:t>We have volleyball, </a:t>
-            </a:r>
-            <a:r>
-              <a:rPr lang="en-US" dirty="0" err="1" smtClean="0"/>
-              <a:t>frisbee</a:t>
-            </a:r>
-            <a:r>
-              <a:rPr lang="en-US" dirty="0" smtClean="0"/>
-              <a:t>, </a:t>
-            </a:r>
-            <a:r>
-              <a:rPr lang="en-US" dirty="0" err="1" smtClean="0"/>
-              <a:t>frisbee</a:t>
-            </a:r>
-            <a:r>
-              <a:rPr lang="en-US" dirty="0" smtClean="0"/>
-              <a:t> golf, </a:t>
-            </a:r>
-            <a:r>
-              <a:rPr lang="en-US" dirty="0" err="1" smtClean="0"/>
-              <a:t>boche</a:t>
-            </a:r>
-            <a:r>
-              <a:rPr lang="en-US" dirty="0" smtClean="0"/>
-              <a:t> ball…?</a:t>
-            </a:r>
-          </a:p>
-          <a:p>
-            <a:r>
-              <a:rPr lang="en-US" dirty="0" smtClean="0"/>
-              <a:t>Also cards. Other board games needed?</a:t>
-            </a:r>
-          </a:p>
-          <a:p>
-            <a:endParaRPr lang="en-US" dirty="0"/>
-          </a:p>
-          <a:p>
-            <a:r>
-              <a:rPr lang="en-US" dirty="0" smtClean="0"/>
-              <a:t>There’s good places to run, to swim, to hike, to bike, and to fish.</a:t>
-            </a:r>
-          </a:p>
-          <a:p>
-            <a:r>
-              <a:rPr lang="en-US" dirty="0" smtClean="0"/>
-              <a:t>We also have laundry and weight room (?)</a:t>
+              <a:t>Anything group-intended can be purchased by </a:t>
+            </a:r>
+            <a:r>
+              <a:rPr lang="en-US" dirty="0" smtClean="0"/>
+              <a:t>Jessica.  </a:t>
+            </a:r>
+            <a:r>
+              <a:rPr lang="en-US" dirty="0" smtClean="0"/>
+              <a:t>Please write it down on the list in the back.</a:t>
+            </a:r>
+          </a:p>
+          <a:p>
+            <a:r>
+              <a:rPr lang="en-US" dirty="0" smtClean="0"/>
+              <a:t>Jessica can </a:t>
+            </a:r>
+            <a:r>
+              <a:rPr lang="en-US" dirty="0" smtClean="0"/>
+              <a:t>also drive you to the market; he’ll probably go every two or three days.</a:t>
+            </a:r>
+          </a:p>
+          <a:p>
+            <a:r>
+              <a:rPr lang="en-US" dirty="0" smtClean="0"/>
+              <a:t>Please don’t ask </a:t>
+            </a:r>
+            <a:r>
+              <a:rPr lang="en-US" dirty="0" smtClean="0"/>
+              <a:t>Jessica to </a:t>
+            </a:r>
+            <a:r>
+              <a:rPr lang="en-US" dirty="0" smtClean="0"/>
+              <a:t>spot you $$; ask me.</a:t>
             </a:r>
             <a:endParaRPr lang="en-US" dirty="0"/>
           </a:p>
@@ -8637,7 +8635,7 @@
     </p:spTree>
     <p:extLst>
       <p:ext uri="{BB962C8B-B14F-4D97-AF65-F5344CB8AC3E}">
-        <p14:creationId xmlns:p14="http://schemas.microsoft.com/office/powerpoint/2010/main" val="3548994780"/>
+        <p14:creationId xmlns:p14="http://schemas.microsoft.com/office/powerpoint/2010/main" val="333238563"/>
       </p:ext>
     </p:extLst>
   </p:cSld>
@@ -8681,7 +8679,7 @@
           <a:p>
             <a:r>
               <a:rPr lang="en-US" dirty="0" smtClean="0"/>
-              <a:t>Free time, more generally.</a:t>
+              <a:t>Games and location.</a:t>
             </a:r>
             <a:endParaRPr lang="en-US" dirty="0"/>
           </a:p>
@@ -8702,50 +8700,63 @@
           <a:bodyPr/>
           <a:lstStyle/>
           <a:p>
-            <a:pPr marL="0" indent="0" algn="ctr">
-              <a:buNone/>
-            </a:pPr>
-            <a:r>
-              <a:rPr lang="en-US" dirty="0" smtClean="0"/>
-              <a:t>Please be sure to take time off as you need it.</a:t>
-            </a:r>
-          </a:p>
-          <a:p>
-            <a:pPr marL="0" indent="0" algn="ctr">
-              <a:buNone/>
-            </a:pPr>
+            <a:r>
+              <a:rPr lang="en-US" dirty="0" smtClean="0"/>
+              <a:t>We have volleyball, </a:t>
+            </a:r>
+            <a:r>
+              <a:rPr lang="en-US" dirty="0" err="1" smtClean="0"/>
+              <a:t>frisbee</a:t>
+            </a:r>
+            <a:r>
+              <a:rPr lang="en-US" dirty="0" smtClean="0"/>
+              <a:t>, </a:t>
+            </a:r>
+            <a:r>
+              <a:rPr lang="en-US" dirty="0" err="1" smtClean="0"/>
+              <a:t>frisbee</a:t>
+            </a:r>
+            <a:r>
+              <a:rPr lang="en-US" dirty="0" smtClean="0"/>
+              <a:t> golf, </a:t>
+            </a:r>
+            <a:r>
+              <a:rPr lang="en-US" dirty="0" err="1" smtClean="0"/>
+              <a:t>boche</a:t>
+            </a:r>
+            <a:r>
+              <a:rPr lang="en-US" dirty="0" smtClean="0"/>
+              <a:t> ball…?</a:t>
+            </a:r>
+          </a:p>
+          <a:p>
+            <a:r>
+              <a:rPr lang="en-US" dirty="0" smtClean="0"/>
+              <a:t>Also cards. Other board games needed?</a:t>
+            </a:r>
+          </a:p>
+          <a:p>
             <a:endParaRPr lang="en-US" dirty="0"/>
           </a:p>
           <a:p>
-            <a:pPr marL="0" indent="0" algn="ctr">
-              <a:buNone/>
-            </a:pPr>
-            <a:r>
-              <a:rPr lang="en-US" dirty="0" smtClean="0"/>
-              <a:t>Not only is relaxation important, given the next two weeks, but the networking is also important.</a:t>
-            </a:r>
-          </a:p>
-          <a:p>
-            <a:pPr marL="0" indent="0" algn="ctr">
-              <a:buNone/>
-            </a:pPr>
+            <a:r>
+              <a:rPr lang="en-US" dirty="0" smtClean="0"/>
+              <a:t>There’s good places to run, to swim, to hike, to bike, and to fish.</a:t>
+            </a:r>
+          </a:p>
+          <a:p>
+            <a:r>
+              <a:rPr lang="en-US" dirty="0" smtClean="0"/>
+              <a:t>We also have laundry and weight room (?)</a:t>
+            </a:r>
             <a:endParaRPr lang="en-US" dirty="0"/>
-          </a:p>
-          <a:p>
-            <a:pPr marL="0" indent="0" algn="ctr">
-              <a:buNone/>
-            </a:pPr>
-            <a:r>
-              <a:rPr lang="en-US" dirty="0" smtClean="0"/>
-              <a:t>Plus, the TAs and profs need the time off too :&gt;</a:t>
-            </a:r>
           </a:p>
         </p:txBody>
       </p:sp>
     </p:spTree>
     <p:extLst>
       <p:ext uri="{BB962C8B-B14F-4D97-AF65-F5344CB8AC3E}">
-        <p14:creationId xmlns:p14="http://schemas.microsoft.com/office/powerpoint/2010/main" val="1132731745"/>
+        <p14:creationId xmlns:p14="http://schemas.microsoft.com/office/powerpoint/2010/main" val="3548994780"/>
       </p:ext>
     </p:extLst>
   </p:cSld>
@@ -8789,6 +8800,114 @@
           <a:p>
             <a:r>
               <a:rPr lang="en-US" dirty="0" smtClean="0"/>
+              <a:t>Free time, more generally.</a:t>
+            </a:r>
+            <a:endParaRPr lang="en-US" dirty="0"/>
+          </a:p>
+        </p:txBody>
+      </p:sp>
+      <p:sp>
+        <p:nvSpPr>
+          <p:cNvPr id="3" name="Content Placeholder 2"/>
+          <p:cNvSpPr>
+            <a:spLocks noGrp="1"/>
+          </p:cNvSpPr>
+          <p:nvPr>
+            <p:ph idx="1"/>
+          </p:nvPr>
+        </p:nvSpPr>
+        <p:spPr/>
+        <p:txBody>
+          <a:bodyPr/>
+          <a:lstStyle/>
+          <a:p>
+            <a:pPr marL="0" indent="0" algn="ctr">
+              <a:buNone/>
+            </a:pPr>
+            <a:r>
+              <a:rPr lang="en-US" dirty="0" smtClean="0"/>
+              <a:t>Please be sure to take time off as you need it.</a:t>
+            </a:r>
+          </a:p>
+          <a:p>
+            <a:pPr marL="0" indent="0" algn="ctr">
+              <a:buNone/>
+            </a:pPr>
+            <a:endParaRPr lang="en-US" dirty="0"/>
+          </a:p>
+          <a:p>
+            <a:pPr marL="0" indent="0" algn="ctr">
+              <a:buNone/>
+            </a:pPr>
+            <a:r>
+              <a:rPr lang="en-US" dirty="0" smtClean="0"/>
+              <a:t>Not only is relaxation important, given the next two weeks, but the networking is also important.</a:t>
+            </a:r>
+          </a:p>
+          <a:p>
+            <a:pPr marL="0" indent="0" algn="ctr">
+              <a:buNone/>
+            </a:pPr>
+            <a:endParaRPr lang="en-US" dirty="0"/>
+          </a:p>
+          <a:p>
+            <a:pPr marL="0" indent="0" algn="ctr">
+              <a:buNone/>
+            </a:pPr>
+            <a:r>
+              <a:rPr lang="en-US" dirty="0" smtClean="0"/>
+              <a:t>Plus, the TAs and profs need the time off too :&gt;</a:t>
+            </a:r>
+          </a:p>
+        </p:txBody>
+      </p:sp>
+    </p:spTree>
+    <p:extLst>
+      <p:ext uri="{BB962C8B-B14F-4D97-AF65-F5344CB8AC3E}">
+        <p14:creationId xmlns:p14="http://schemas.microsoft.com/office/powerpoint/2010/main" val="1132731745"/>
+      </p:ext>
+    </p:extLst>
+  </p:cSld>
+  <p:clrMapOvr>
+    <a:masterClrMapping/>
+  </p:clrMapOvr>
+</p:sld>
+</file>
+
+<file path=ppt/slides/slide17.xml><?xml version="1.0" encoding="utf-8"?>
+<p:sld xmlns:a="http://schemas.openxmlformats.org/drawingml/2006/main" xmlns:r="http://schemas.openxmlformats.org/officeDocument/2006/relationships" xmlns:p="http://schemas.openxmlformats.org/presentationml/2006/main">
+  <p:cSld>
+    <p:spTree>
+      <p:nvGrpSpPr>
+        <p:cNvPr id="1" name=""/>
+        <p:cNvGrpSpPr/>
+        <p:nvPr/>
+      </p:nvGrpSpPr>
+      <p:grpSpPr>
+        <a:xfrm>
+          <a:off x="0" y="0"/>
+          <a:ext cx="0" cy="0"/>
+          <a:chOff x="0" y="0"/>
+          <a:chExt cx="0" cy="0"/>
+        </a:xfrm>
+      </p:grpSpPr>
+      <p:sp>
+        <p:nvSpPr>
+          <p:cNvPr id="2" name="Title 1"/>
+          <p:cNvSpPr>
+            <a:spLocks noGrp="1"/>
+          </p:cNvSpPr>
+          <p:nvPr>
+            <p:ph type="title"/>
+          </p:nvPr>
+        </p:nvSpPr>
+        <p:spPr/>
+        <p:txBody>
+          <a:bodyPr/>
+          <a:lstStyle/>
+          <a:p>
+            <a:r>
+              <a:rPr lang="en-US" dirty="0" smtClean="0"/>
               <a:t>Unwritten rules</a:t>
             </a:r>
             <a:endParaRPr lang="en-US" dirty="0"/>
@@ -8827,7 +8946,7 @@
 </p:sld>
 </file>
 
-<file path=ppt/slides/slide17.xml><?xml version="1.0" encoding="utf-8"?>
+<file path=ppt/slides/slide18.xml><?xml version="1.0" encoding="utf-8"?>
 <p:sld xmlns:a="http://schemas.openxmlformats.org/drawingml/2006/main" xmlns:r="http://schemas.openxmlformats.org/officeDocument/2006/relationships" xmlns:p="http://schemas.openxmlformats.org/presentationml/2006/main">
   <p:cSld>
     <p:spTree>
@@ -8959,131 +9078,6 @@
 </p:sld>
 </file>
 
-<file path=ppt/slides/slide18.xml><?xml version="1.0" encoding="utf-8"?>
-<p:sld xmlns:a="http://schemas.openxmlformats.org/drawingml/2006/main" xmlns:r="http://schemas.openxmlformats.org/officeDocument/2006/relationships" xmlns:p="http://schemas.openxmlformats.org/presentationml/2006/main">
-  <p:cSld>
-    <p:spTree>
-      <p:nvGrpSpPr>
-        <p:cNvPr id="1" name=""/>
-        <p:cNvGrpSpPr/>
-        <p:nvPr/>
-      </p:nvGrpSpPr>
-      <p:grpSpPr>
-        <a:xfrm>
-          <a:off x="0" y="0"/>
-          <a:ext cx="0" cy="0"/>
-          <a:chOff x="0" y="0"/>
-          <a:chExt cx="0" cy="0"/>
-        </a:xfrm>
-      </p:grpSpPr>
-      <p:sp>
-        <p:nvSpPr>
-          <p:cNvPr id="2" name="Title 1"/>
-          <p:cNvSpPr>
-            <a:spLocks noGrp="1"/>
-          </p:cNvSpPr>
-          <p:nvPr>
-            <p:ph type="title"/>
-          </p:nvPr>
-        </p:nvSpPr>
-        <p:spPr/>
-        <p:txBody>
-          <a:bodyPr>
-            <a:normAutofit fontScale="90000"/>
-          </a:bodyPr>
-          <a:lstStyle/>
-          <a:p>
-            <a:r>
-              <a:rPr lang="en-US" dirty="0"/>
-              <a:t>A</a:t>
-            </a:r>
-            <a:r>
-              <a:rPr lang="en-US" dirty="0" smtClean="0"/>
-              <a:t>utomation &amp; computational efficiency matter</a:t>
-            </a:r>
-            <a:endParaRPr lang="en-US" dirty="0"/>
-          </a:p>
-        </p:txBody>
-      </p:sp>
-      <p:sp>
-        <p:nvSpPr>
-          <p:cNvPr id="3" name="Content Placeholder 2"/>
-          <p:cNvSpPr>
-            <a:spLocks noGrp="1"/>
-          </p:cNvSpPr>
-          <p:nvPr>
-            <p:ph idx="1"/>
-          </p:nvPr>
-        </p:nvSpPr>
-        <p:spPr/>
-        <p:txBody>
-          <a:bodyPr>
-            <a:normAutofit lnSpcReduction="10000"/>
-          </a:bodyPr>
-          <a:lstStyle/>
-          <a:p>
-            <a:r>
-              <a:rPr lang="en-US" dirty="0" smtClean="0"/>
-              <a:t>You’ll learn to run lots of different programs here.</a:t>
-            </a:r>
-            <a:endParaRPr lang="en-US" dirty="0"/>
-          </a:p>
-          <a:p>
-            <a:r>
-              <a:rPr lang="en-US" dirty="0" smtClean="0"/>
-              <a:t>We’ll run into some practical problems:</a:t>
-            </a:r>
-          </a:p>
-          <a:p>
-            <a:pPr lvl="1"/>
-            <a:r>
-              <a:rPr lang="en-US" dirty="0" smtClean="0"/>
-              <a:t>Some programs take a long time to run.</a:t>
-            </a:r>
-          </a:p>
-          <a:p>
-            <a:pPr lvl="1"/>
-            <a:r>
-              <a:rPr lang="en-US" dirty="0" smtClean="0"/>
-              <a:t>Some programs take many different parameters; which are best?</a:t>
-            </a:r>
-          </a:p>
-          <a:p>
-            <a:pPr lvl="1"/>
-            <a:r>
-              <a:rPr lang="en-US" dirty="0" smtClean="0"/>
-              <a:t>Some programs don’t finish on “cheap” hardware</a:t>
-            </a:r>
-            <a:r>
-              <a:rPr lang="en-US" dirty="0"/>
-              <a:t>.</a:t>
-            </a:r>
-          </a:p>
-          <a:p>
-            <a:pPr marL="0" indent="0" algn="ctr">
-              <a:buNone/>
-            </a:pPr>
-            <a:r>
-              <a:rPr lang="en-US" dirty="0" smtClean="0"/>
-              <a:t>How do we run many long-running programs? How do we remember what we did? How do we get our programs to finish?</a:t>
-            </a:r>
-            <a:endParaRPr lang="en-US" dirty="0"/>
-          </a:p>
-        </p:txBody>
-      </p:sp>
-    </p:spTree>
-    <p:extLst>
-      <p:ext uri="{BB962C8B-B14F-4D97-AF65-F5344CB8AC3E}">
-        <p14:creationId xmlns:p14="http://schemas.microsoft.com/office/powerpoint/2010/main" val="4063200715"/>
-      </p:ext>
-    </p:extLst>
-  </p:cSld>
-  <p:clrMapOvr>
-    <a:masterClrMapping/>
-  </p:clrMapOvr>
-</p:sld>
-</file>
-
 <file path=ppt/slides/slide19.xml><?xml version="1.0" encoding="utf-8"?>
 <p:sld xmlns:a="http://schemas.openxmlformats.org/drawingml/2006/main" xmlns:r="http://schemas.openxmlformats.org/officeDocument/2006/relationships" xmlns:p="http://schemas.openxmlformats.org/presentationml/2006/main">
   <p:cSld>
@@ -9113,12 +9107,18 @@
         </p:nvSpPr>
         <p:spPr/>
         <p:txBody>
-          <a:bodyPr/>
+          <a:bodyPr>
+            <a:normAutofit fontScale="90000"/>
+          </a:bodyPr>
           <a:lstStyle/>
           <a:p>
             <a:r>
-              <a:rPr lang="en-US" dirty="0" smtClean="0"/>
-              <a:t>“Heuristics”</a:t>
+              <a:rPr lang="en-US" dirty="0"/>
+              <a:t>A</a:t>
+            </a:r>
+            <a:r>
+              <a:rPr lang="en-US" dirty="0" smtClean="0"/>
+              <a:t>utomation &amp; computational efficiency matter</a:t>
             </a:r>
             <a:endParaRPr lang="en-US" dirty="0"/>
           </a:p>
@@ -9143,25 +9143,48 @@
           <a:p>
             <a:r>
               <a:rPr lang="en-US" dirty="0" smtClean="0"/>
-              <a:t>What do computers do when the answer is either really, really hard to compute exactly, or actually impossible?</a:t>
-            </a:r>
-          </a:p>
-          <a:p>
+              <a:t>You’ll learn to run lots of different programs here.</a:t>
+            </a:r>
             <a:endParaRPr lang="en-US" dirty="0"/>
           </a:p>
           <a:p>
             <a:r>
               <a:rPr lang="en-US" dirty="0" smtClean="0"/>
-              <a:t>They approximate! Or guess!</a:t>
-            </a:r>
-          </a:p>
-          <a:p>
-            <a:endParaRPr lang="en-US" dirty="0"/>
-          </a:p>
-          <a:p>
-            <a:r>
-              <a:rPr lang="en-US" dirty="0" smtClean="0"/>
-              <a:t>The term “heuristic” refers to a guess, or shortcut procedure, that usually returns a pretty good answer.</a:t>
+              <a:t>We’ll run into some practical problems:</a:t>
+            </a:r>
+          </a:p>
+          <a:p>
+            <a:pPr lvl="1"/>
+            <a:r>
+              <a:rPr lang="en-US" dirty="0" smtClean="0"/>
+              <a:t>Some programs take a long time to run.</a:t>
+            </a:r>
+          </a:p>
+          <a:p>
+            <a:pPr lvl="1"/>
+            <a:r>
+              <a:rPr lang="en-US" dirty="0" smtClean="0"/>
+              <a:t>Some programs take many different parameters; which are best?</a:t>
+            </a:r>
+          </a:p>
+          <a:p>
+            <a:pPr lvl="1"/>
+            <a:r>
+              <a:rPr lang="en-US" dirty="0" smtClean="0"/>
+              <a:t>Some programs don’t finish on “cheap” hardware</a:t>
+            </a:r>
+            <a:r>
+              <a:rPr lang="en-US" dirty="0"/>
+              <a:t>.</a:t>
+            </a:r>
+          </a:p>
+          <a:p>
+            <a:pPr marL="0" indent="0" algn="ctr">
+              <a:buNone/>
+            </a:pPr>
+            <a:r>
+              <a:rPr lang="en-US" dirty="0" smtClean="0"/>
+              <a:t>How do we run many long-running programs? How do we remember what we did? How do we get our programs to finish?</a:t>
             </a:r>
             <a:endParaRPr lang="en-US" dirty="0"/>
           </a:p>
@@ -9170,7 +9193,7 @@
     </p:spTree>
     <p:extLst>
       <p:ext uri="{BB962C8B-B14F-4D97-AF65-F5344CB8AC3E}">
-        <p14:creationId xmlns:p14="http://schemas.microsoft.com/office/powerpoint/2010/main" val="2964101586"/>
+        <p14:creationId xmlns:p14="http://schemas.microsoft.com/office/powerpoint/2010/main" val="4063200715"/>
       </p:ext>
     </p:extLst>
   </p:cSld>
@@ -9334,83 +9357,55 @@
         </p:nvSpPr>
         <p:spPr/>
         <p:txBody>
+          <a:bodyPr/>
+          <a:lstStyle/>
+          <a:p>
+            <a:r>
+              <a:rPr lang="en-US" dirty="0" smtClean="0"/>
+              <a:t>“Heuristics”</a:t>
+            </a:r>
+            <a:endParaRPr lang="en-US" dirty="0"/>
+          </a:p>
+        </p:txBody>
+      </p:sp>
+      <p:sp>
+        <p:nvSpPr>
+          <p:cNvPr id="3" name="Content Placeholder 2"/>
+          <p:cNvSpPr>
+            <a:spLocks noGrp="1"/>
+          </p:cNvSpPr>
+          <p:nvPr>
+            <p:ph idx="1"/>
+          </p:nvPr>
+        </p:nvSpPr>
+        <p:spPr/>
+        <p:txBody>
           <a:bodyPr>
-            <a:normAutofit fontScale="90000"/>
+            <a:normAutofit lnSpcReduction="10000"/>
           </a:bodyPr>
           <a:lstStyle/>
           <a:p>
             <a:r>
-              <a:rPr lang="en-US" sz="3200" dirty="0" smtClean="0"/>
-              <a:t>Often explicit or implicit tradeoffs between compute “amount” and quality of result</a:t>
-            </a:r>
-            <a:endParaRPr lang="en-US" sz="3200" dirty="0"/>
-          </a:p>
-        </p:txBody>
-      </p:sp>
-      <p:pic>
-        <p:nvPicPr>
-          <p:cNvPr id="4" name="Content Placeholder 3"/>
-          <p:cNvPicPr>
-            <a:picLocks noGrp="1" noChangeAspect="1"/>
-          </p:cNvPicPr>
-          <p:nvPr>
-            <p:ph idx="1"/>
-          </p:nvPr>
-        </p:nvPicPr>
-        <p:blipFill>
-          <a:blip r:embed="rId2"/>
-          <a:srcRect l="-18786" r="-18786"/>
-          <a:stretch>
-            <a:fillRect/>
-          </a:stretch>
-        </p:blipFill>
-        <p:spPr>
-          <a:xfrm>
-            <a:off x="457200" y="1600200"/>
-            <a:ext cx="7747035" cy="4260571"/>
-          </a:xfrm>
-        </p:spPr>
-      </p:pic>
-      <p:sp>
-        <p:nvSpPr>
-          <p:cNvPr id="5" name="Rectangle 4"/>
-          <p:cNvSpPr/>
-          <p:nvPr/>
-        </p:nvSpPr>
-        <p:spPr>
-          <a:xfrm>
-            <a:off x="4242170" y="6051077"/>
-            <a:ext cx="4572000" cy="646331"/>
-          </a:xfrm>
-          <a:prstGeom prst="rect">
-            <a:avLst/>
-          </a:prstGeom>
-        </p:spPr>
-        <p:txBody>
-          <a:bodyPr>
-            <a:spAutoFit/>
-          </a:bodyPr>
-          <a:lstStyle/>
-          <a:p>
-            <a:r>
-              <a:rPr lang="en-US" dirty="0" smtClean="0"/>
-              <a:t>http://</a:t>
-            </a:r>
-            <a:r>
-              <a:rPr lang="en-US" dirty="0" err="1" smtClean="0"/>
-              <a:t>www.infernodevelopment.com</a:t>
-            </a:r>
-            <a:r>
-              <a:rPr lang="en-US" dirty="0" smtClean="0"/>
-              <a:t>/how-computer-chess-engines-think-</a:t>
-            </a:r>
-            <a:r>
-              <a:rPr lang="en-US" dirty="0" err="1" smtClean="0"/>
-              <a:t>minimax</a:t>
-            </a:r>
-            <a:r>
-              <a:rPr lang="en-US" dirty="0" smtClean="0"/>
-              <a:t>-tree</a:t>
+              <a:rPr lang="en-US" dirty="0" smtClean="0"/>
+              <a:t>What do computers do when the answer is either really, really hard to compute exactly, or actually impossible?</a:t>
+            </a:r>
+          </a:p>
+          <a:p>
+            <a:endParaRPr lang="en-US" dirty="0"/>
+          </a:p>
+          <a:p>
+            <a:r>
+              <a:rPr lang="en-US" dirty="0" smtClean="0"/>
+              <a:t>They approximate! Or guess!</a:t>
+            </a:r>
+          </a:p>
+          <a:p>
+            <a:endParaRPr lang="en-US" dirty="0"/>
+          </a:p>
+          <a:p>
+            <a:r>
+              <a:rPr lang="en-US" dirty="0" smtClean="0"/>
+              <a:t>The term “heuristic” refers to a guess, or shortcut procedure, that usually returns a pretty good answer.</a:t>
             </a:r>
             <a:endParaRPr lang="en-US" dirty="0"/>
           </a:p>
@@ -9419,7 +9414,7 @@
     </p:spTree>
     <p:extLst>
       <p:ext uri="{BB962C8B-B14F-4D97-AF65-F5344CB8AC3E}">
-        <p14:creationId xmlns:p14="http://schemas.microsoft.com/office/powerpoint/2010/main" val="2385553449"/>
+        <p14:creationId xmlns:p14="http://schemas.microsoft.com/office/powerpoint/2010/main" val="2964101586"/>
       </p:ext>
     </p:extLst>
   </p:cSld>
@@ -9464,60 +9459,77 @@
           <a:lstStyle/>
           <a:p>
             <a:r>
-              <a:rPr lang="en-US" dirty="0" smtClean="0"/>
-              <a:t>This kind of issue comes up a lot.</a:t>
-            </a:r>
-            <a:endParaRPr lang="en-US" dirty="0"/>
-          </a:p>
-        </p:txBody>
-      </p:sp>
-      <p:sp>
-        <p:nvSpPr>
-          <p:cNvPr id="3" name="Content Placeholder 2"/>
-          <p:cNvSpPr>
-            <a:spLocks noGrp="1"/>
-          </p:cNvSpPr>
+              <a:rPr lang="en-US" sz="3200" dirty="0" smtClean="0"/>
+              <a:t>Often explicit or implicit tradeoffs between compute “amount” and quality of result</a:t>
+            </a:r>
+            <a:endParaRPr lang="en-US" sz="3200" dirty="0"/>
+          </a:p>
+        </p:txBody>
+      </p:sp>
+      <p:pic>
+        <p:nvPicPr>
+          <p:cNvPr id="4" name="Content Placeholder 3"/>
+          <p:cNvPicPr>
+            <a:picLocks noGrp="1" noChangeAspect="1"/>
+          </p:cNvPicPr>
           <p:nvPr>
             <p:ph idx="1"/>
           </p:nvPr>
-        </p:nvSpPr>
-        <p:spPr/>
+        </p:nvPicPr>
+        <p:blipFill>
+          <a:blip r:embed="rId2"/>
+          <a:srcRect l="-18786" r="-18786"/>
+          <a:stretch>
+            <a:fillRect/>
+          </a:stretch>
+        </p:blipFill>
+        <p:spPr>
+          <a:xfrm>
+            <a:off x="457200" y="1600200"/>
+            <a:ext cx="7747035" cy="4260571"/>
+          </a:xfrm>
+        </p:spPr>
+      </p:pic>
+      <p:sp>
+        <p:nvSpPr>
+          <p:cNvPr id="5" name="Rectangle 4"/>
+          <p:cNvSpPr/>
+          <p:nvPr/>
+        </p:nvSpPr>
+        <p:spPr>
+          <a:xfrm>
+            <a:off x="4242170" y="6051077"/>
+            <a:ext cx="4572000" cy="646331"/>
+          </a:xfrm>
+          <a:prstGeom prst="rect">
+            <a:avLst/>
+          </a:prstGeom>
+        </p:spPr>
         <p:txBody>
           <a:bodyPr>
-            <a:normAutofit fontScale="92500" lnSpcReduction="10000"/>
+            <a:spAutoFit/>
           </a:bodyPr>
           <a:lstStyle/>
           <a:p>
             <a:r>
               <a:rPr lang="en-US" dirty="0" smtClean="0"/>
-              <a:t>Mapping.</a:t>
-            </a:r>
-          </a:p>
-          <a:p>
-            <a:r>
-              <a:rPr lang="en-US" dirty="0" smtClean="0"/>
-              <a:t>Assembly.</a:t>
-            </a:r>
-          </a:p>
-          <a:p>
-            <a:r>
-              <a:rPr lang="en-US" dirty="0" smtClean="0"/>
-              <a:t>Statistics (Monte Carlo and resampling methods).</a:t>
-            </a:r>
-          </a:p>
-          <a:p>
-            <a:r>
-              <a:rPr lang="en-US" dirty="0" smtClean="0"/>
-              <a:t>Simulations.</a:t>
-            </a:r>
-          </a:p>
-          <a:p>
-            <a:endParaRPr lang="en-US" dirty="0"/>
-          </a:p>
-          <a:p>
-            <a:r>
-              <a:rPr lang="en-US" dirty="0" smtClean="0"/>
-              <a:t>More generally, most “interesting” algorithms involve approximations and shortcuts.  When are they (in)appropriate for your task?</a:t>
+              <a:t>http://</a:t>
+            </a:r>
+            <a:r>
+              <a:rPr lang="en-US" dirty="0" err="1" smtClean="0"/>
+              <a:t>www.infernodevelopment.com</a:t>
+            </a:r>
+            <a:r>
+              <a:rPr lang="en-US" dirty="0" smtClean="0"/>
+              <a:t>/how-computer-chess-engines-think-</a:t>
+            </a:r>
+            <a:r>
+              <a:rPr lang="en-US" dirty="0" err="1" smtClean="0"/>
+              <a:t>minimax</a:t>
+            </a:r>
+            <a:r>
+              <a:rPr lang="en-US" dirty="0" smtClean="0"/>
+              <a:t>-tree</a:t>
             </a:r>
             <a:endParaRPr lang="en-US" dirty="0"/>
           </a:p>
@@ -9526,7 +9538,7 @@
     </p:spTree>
     <p:extLst>
       <p:ext uri="{BB962C8B-B14F-4D97-AF65-F5344CB8AC3E}">
-        <p14:creationId xmlns:p14="http://schemas.microsoft.com/office/powerpoint/2010/main" val="2945624123"/>
+        <p14:creationId xmlns:p14="http://schemas.microsoft.com/office/powerpoint/2010/main" val="2385553449"/>
       </p:ext>
     </p:extLst>
   </p:cSld>
@@ -9572,98 +9584,59 @@
           <a:p>
             <a:r>
               <a:rPr lang="en-US" dirty="0" smtClean="0"/>
-              <a:t>What are the limits of data + compute?</a:t>
+              <a:t>This kind of issue comes up a lot.</a:t>
             </a:r>
             <a:endParaRPr lang="en-US" dirty="0"/>
           </a:p>
         </p:txBody>
       </p:sp>
-      <p:pic>
-        <p:nvPicPr>
-          <p:cNvPr id="4" name="Content Placeholder 3"/>
-          <p:cNvPicPr>
-            <a:picLocks noGrp="1" noChangeAspect="1"/>
-          </p:cNvPicPr>
+      <p:sp>
+        <p:nvSpPr>
+          <p:cNvPr id="3" name="Content Placeholder 2"/>
+          <p:cNvSpPr>
+            <a:spLocks noGrp="1"/>
+          </p:cNvSpPr>
           <p:nvPr>
             <p:ph idx="1"/>
           </p:nvPr>
-        </p:nvPicPr>
-        <p:blipFill>
-          <a:blip r:embed="rId2"/>
-          <a:srcRect t="-34061" b="-34061"/>
-          <a:stretch>
-            <a:fillRect/>
-          </a:stretch>
-        </p:blipFill>
+        </p:nvSpPr>
         <p:spPr/>
-      </p:pic>
-      <p:sp>
-        <p:nvSpPr>
-          <p:cNvPr id="5" name="TextBox 4"/>
-          <p:cNvSpPr txBox="1"/>
-          <p:nvPr/>
-        </p:nvSpPr>
-        <p:spPr>
-          <a:xfrm>
-            <a:off x="1941571" y="1764269"/>
-            <a:ext cx="5548927" cy="369332"/>
-          </a:xfrm>
-          <a:prstGeom prst="rect">
-            <a:avLst/>
-          </a:prstGeom>
-          <a:noFill/>
-        </p:spPr>
-        <p:txBody>
-          <a:bodyPr wrap="none" rtlCol="0">
-            <a:spAutoFit/>
+        <p:txBody>
+          <a:bodyPr>
+            <a:normAutofit fontScale="92500" lnSpcReduction="10000"/>
           </a:bodyPr>
           <a:lstStyle/>
           <a:p>
             <a:r>
               <a:rPr lang="en-US" dirty="0" smtClean="0"/>
-              <a:t>Mappers will ignore some fraction of reads due to errors.</a:t>
-            </a:r>
+              <a:t>Mapping.</a:t>
+            </a:r>
+          </a:p>
+          <a:p>
+            <a:r>
+              <a:rPr lang="en-US" dirty="0" smtClean="0"/>
+              <a:t>Assembly.</a:t>
+            </a:r>
+          </a:p>
+          <a:p>
+            <a:r>
+              <a:rPr lang="en-US" dirty="0" smtClean="0"/>
+              <a:t>Statistics (Monte Carlo and resampling methods).</a:t>
+            </a:r>
+          </a:p>
+          <a:p>
+            <a:r>
+              <a:rPr lang="en-US" dirty="0" smtClean="0"/>
+              <a:t>Simulations.</a:t>
+            </a:r>
+          </a:p>
+          <a:p>
             <a:endParaRPr lang="en-US" dirty="0"/>
           </a:p>
-        </p:txBody>
-      </p:sp>
-      <p:sp>
-        <p:nvSpPr>
-          <p:cNvPr id="6" name="TextBox 5"/>
-          <p:cNvSpPr txBox="1"/>
-          <p:nvPr/>
-        </p:nvSpPr>
-        <p:spPr>
-          <a:xfrm>
-            <a:off x="6656817" y="6297403"/>
-            <a:ext cx="2189797" cy="369332"/>
-          </a:xfrm>
-          <a:prstGeom prst="rect">
-            <a:avLst/>
-          </a:prstGeom>
-          <a:noFill/>
-        </p:spPr>
-        <p:txBody>
-          <a:bodyPr wrap="none" rtlCol="0">
-            <a:spAutoFit/>
-          </a:bodyPr>
-          <a:lstStyle/>
-          <a:p>
-            <a:r>
-              <a:rPr lang="en-US" dirty="0" err="1" smtClean="0"/>
-              <a:t>Pyrkosz</a:t>
-            </a:r>
-            <a:r>
-              <a:rPr lang="en-US" dirty="0" smtClean="0"/>
-              <a:t> et al., </a:t>
-            </a:r>
-            <a:r>
-              <a:rPr lang="en-US" dirty="0" err="1" smtClean="0"/>
-              <a:t>unpub</a:t>
-            </a:r>
-            <a:r>
-              <a:rPr lang="en-US" dirty="0" smtClean="0"/>
-              <a:t>.</a:t>
+          <a:p>
+            <a:r>
+              <a:rPr lang="en-US" dirty="0" smtClean="0"/>
+              <a:t>More generally, most “interesting” algorithms involve approximations and shortcuts.  When are they (in)appropriate for your task?</a:t>
             </a:r>
             <a:endParaRPr lang="en-US" dirty="0"/>
           </a:p>
@@ -9672,7 +9645,7 @@
     </p:spTree>
     <p:extLst>
       <p:ext uri="{BB962C8B-B14F-4D97-AF65-F5344CB8AC3E}">
-        <p14:creationId xmlns:p14="http://schemas.microsoft.com/office/powerpoint/2010/main" val="3401985785"/>
+        <p14:creationId xmlns:p14="http://schemas.microsoft.com/office/powerpoint/2010/main" val="2945624123"/>
       </p:ext>
     </p:extLst>
   </p:cSld>
@@ -9718,7 +9691,7 @@
           <a:p>
             <a:r>
               <a:rPr lang="en-US" dirty="0" smtClean="0"/>
-              <a:t>Does choice of mapper matter?</a:t>
+              <a:t>What are the limits of data + compute?</a:t>
             </a:r>
             <a:endParaRPr lang="en-US" dirty="0"/>
           </a:p>
@@ -9736,7 +9709,7 @@
         </p:nvPicPr>
         <p:blipFill>
           <a:blip r:embed="rId2"/>
-          <a:srcRect l="10436" r="10436"/>
+          <a:srcRect t="-34061" b="-34061"/>
           <a:stretch>
             <a:fillRect/>
           </a:stretch>
@@ -9751,8 +9724,8 @@
         </p:nvSpPr>
         <p:spPr>
           <a:xfrm>
-            <a:off x="3065639" y="5781678"/>
-            <a:ext cx="3901090" cy="369332"/>
+            <a:off x="1941571" y="1764269"/>
+            <a:ext cx="5548927" cy="369332"/>
           </a:xfrm>
           <a:prstGeom prst="rect">
             <a:avLst/>
@@ -9767,7 +9740,7 @@
           <a:p>
             <a:r>
               <a:rPr lang="en-US" dirty="0" smtClean="0"/>
-              <a:t>Reference completeness matters more!</a:t>
+              <a:t>Mappers will ignore some fraction of reads due to errors.</a:t>
             </a:r>
             <a:endParaRPr lang="en-US" dirty="0"/>
           </a:p>
@@ -9818,7 +9791,7 @@
     </p:spTree>
     <p:extLst>
       <p:ext uri="{BB962C8B-B14F-4D97-AF65-F5344CB8AC3E}">
-        <p14:creationId xmlns:p14="http://schemas.microsoft.com/office/powerpoint/2010/main" val="1629505285"/>
+        <p14:creationId xmlns:p14="http://schemas.microsoft.com/office/powerpoint/2010/main" val="3401985785"/>
       </p:ext>
     </p:extLst>
   </p:cSld>
@@ -9864,7 +9837,7 @@
           <a:p>
             <a:r>
               <a:rPr lang="en-US" dirty="0" smtClean="0"/>
-              <a:t>Real problem? Our data can’t uniquely specify solution!</a:t>
+              <a:t>Does choice of mapper matter?</a:t>
             </a:r>
             <a:endParaRPr lang="en-US" dirty="0"/>
           </a:p>
@@ -9882,7 +9855,7 @@
         </p:nvPicPr>
         <p:blipFill>
           <a:blip r:embed="rId2"/>
-          <a:srcRect t="6171" b="6171"/>
+          <a:srcRect l="10436" r="10436"/>
           <a:stretch>
             <a:fillRect/>
           </a:stretch>
@@ -9897,8 +9870,8 @@
         </p:nvSpPr>
         <p:spPr>
           <a:xfrm>
-            <a:off x="992683" y="1654247"/>
-            <a:ext cx="7081235" cy="369332"/>
+            <a:off x="3065639" y="5781678"/>
+            <a:ext cx="3901090" cy="369332"/>
           </a:xfrm>
           <a:prstGeom prst="rect">
             <a:avLst/>
@@ -9913,7 +9886,7 @@
           <a:p>
             <a:r>
               <a:rPr lang="en-US" dirty="0" smtClean="0"/>
-              <a:t>Here, there is no direct way to know if last exon is connected to first exon.</a:t>
+              <a:t>Reference completeness matters more!</a:t>
             </a:r>
             <a:endParaRPr lang="en-US" dirty="0"/>
           </a:p>
@@ -9927,7 +9900,7 @@
         </p:nvSpPr>
         <p:spPr>
           <a:xfrm>
-            <a:off x="6291860" y="6312777"/>
+            <a:off x="6656817" y="6297403"/>
             <a:ext cx="2189797" cy="369332"/>
           </a:xfrm>
           <a:prstGeom prst="rect">
@@ -9964,7 +9937,7 @@
     </p:spTree>
     <p:extLst>
       <p:ext uri="{BB962C8B-B14F-4D97-AF65-F5344CB8AC3E}">
-        <p14:creationId xmlns:p14="http://schemas.microsoft.com/office/powerpoint/2010/main" val="2509994628"/>
+        <p14:creationId xmlns:p14="http://schemas.microsoft.com/office/powerpoint/2010/main" val="1629505285"/>
       </p:ext>
     </p:extLst>
   </p:cSld>
@@ -10003,57 +9976,106 @@
         </p:nvSpPr>
         <p:spPr/>
         <p:txBody>
-          <a:bodyPr/>
-          <a:lstStyle/>
-          <a:p>
-            <a:r>
-              <a:rPr lang="en-US" dirty="0" smtClean="0"/>
-              <a:t>Concluding thoughts</a:t>
-            </a:r>
-            <a:endParaRPr lang="en-US" dirty="0"/>
-          </a:p>
-        </p:txBody>
-      </p:sp>
-      <p:sp>
-        <p:nvSpPr>
-          <p:cNvPr id="3" name="Content Placeholder 2"/>
-          <p:cNvSpPr>
-            <a:spLocks noGrp="1"/>
-          </p:cNvSpPr>
-          <p:nvPr>
-            <p:ph idx="1"/>
-          </p:nvPr>
-        </p:nvSpPr>
-        <p:spPr/>
-        <p:txBody>
           <a:bodyPr>
-            <a:normAutofit/>
+            <a:normAutofit fontScale="90000"/>
           </a:bodyPr>
           <a:lstStyle/>
           <a:p>
             <a:r>
               <a:rPr lang="en-US" dirty="0" smtClean="0"/>
-              <a:t>There’s what you can do today, computationally, with existing programs.  This is often limited by our time, experience, etc.</a:t>
+              <a:t>Real problem? Our data can’t uniquely specify solution!</a:t>
             </a:r>
             <a:endParaRPr lang="en-US" dirty="0"/>
           </a:p>
-          <a:p>
-            <a:r>
-              <a:rPr lang="en-US" dirty="0" smtClean="0"/>
-              <a:t>There’s what you could, in theory, do with the data you had.  This is the upper limit on your accuracy.</a:t>
+        </p:txBody>
+      </p:sp>
+      <p:pic>
+        <p:nvPicPr>
+          <p:cNvPr id="4" name="Content Placeholder 3"/>
+          <p:cNvPicPr>
+            <a:picLocks noGrp="1" noChangeAspect="1"/>
+          </p:cNvPicPr>
+          <p:nvPr>
+            <p:ph idx="1"/>
+          </p:nvPr>
+        </p:nvPicPr>
+        <p:blipFill>
+          <a:blip r:embed="rId2"/>
+          <a:srcRect t="6171" b="6171"/>
+          <a:stretch>
+            <a:fillRect/>
+          </a:stretch>
+        </p:blipFill>
+        <p:spPr/>
+      </p:pic>
+      <p:sp>
+        <p:nvSpPr>
+          <p:cNvPr id="5" name="TextBox 4"/>
+          <p:cNvSpPr txBox="1"/>
+          <p:nvPr/>
+        </p:nvSpPr>
+        <p:spPr>
+          <a:xfrm>
+            <a:off x="992683" y="1654247"/>
+            <a:ext cx="7081235" cy="369332"/>
+          </a:xfrm>
+          <a:prstGeom prst="rect">
+            <a:avLst/>
+          </a:prstGeom>
+          <a:noFill/>
+        </p:spPr>
+        <p:txBody>
+          <a:bodyPr wrap="none" rtlCol="0">
+            <a:spAutoFit/>
+          </a:bodyPr>
+          <a:lstStyle/>
+          <a:p>
+            <a:r>
+              <a:rPr lang="en-US" dirty="0" smtClean="0"/>
+              <a:t>Here, there is no direct way to know if last exon is connected to first exon.</a:t>
             </a:r>
             <a:endParaRPr lang="en-US" dirty="0"/>
           </a:p>
-          <a:p>
-            <a:r>
-              <a:rPr lang="en-US" dirty="0" smtClean="0"/>
-              <a:t>Figuring out the difference is one of the main reasons you’re here :)</a:t>
-            </a:r>
-          </a:p>
-          <a:p>
-            <a:endParaRPr lang="en-US" dirty="0"/>
-          </a:p>
-          <a:p>
+        </p:txBody>
+      </p:sp>
+      <p:sp>
+        <p:nvSpPr>
+          <p:cNvPr id="6" name="TextBox 5"/>
+          <p:cNvSpPr txBox="1"/>
+          <p:nvPr/>
+        </p:nvSpPr>
+        <p:spPr>
+          <a:xfrm>
+            <a:off x="6291860" y="6312777"/>
+            <a:ext cx="2189797" cy="369332"/>
+          </a:xfrm>
+          <a:prstGeom prst="rect">
+            <a:avLst/>
+          </a:prstGeom>
+          <a:noFill/>
+        </p:spPr>
+        <p:txBody>
+          <a:bodyPr wrap="none" rtlCol="0">
+            <a:spAutoFit/>
+          </a:bodyPr>
+          <a:lstStyle/>
+          <a:p>
+            <a:r>
+              <a:rPr lang="en-US" dirty="0" err="1" smtClean="0"/>
+              <a:t>Pyrkosz</a:t>
+            </a:r>
+            <a:r>
+              <a:rPr lang="en-US" dirty="0" smtClean="0"/>
+              <a:t> et al., </a:t>
+            </a:r>
+            <a:r>
+              <a:rPr lang="en-US" dirty="0" err="1" smtClean="0"/>
+              <a:t>unpub</a:t>
+            </a:r>
+            <a:r>
+              <a:rPr lang="en-US" dirty="0" smtClean="0"/>
+              <a:t>.</a:t>
+            </a:r>
             <a:endParaRPr lang="en-US" dirty="0"/>
           </a:p>
         </p:txBody>
@@ -10061,7 +10083,7 @@
     </p:spTree>
     <p:extLst>
       <p:ext uri="{BB962C8B-B14F-4D97-AF65-F5344CB8AC3E}">
-        <p14:creationId xmlns:p14="http://schemas.microsoft.com/office/powerpoint/2010/main" val="2951917003"/>
+        <p14:creationId xmlns:p14="http://schemas.microsoft.com/office/powerpoint/2010/main" val="2509994628"/>
       </p:ext>
     </p:extLst>
   </p:cSld>
@@ -10104,8 +10126,8 @@
           <a:lstStyle/>
           <a:p>
             <a:r>
-              <a:rPr lang="en-US" smtClean="0"/>
-              <a:t>Process and materials!</a:t>
+              <a:rPr lang="en-US" dirty="0" smtClean="0"/>
+              <a:t>Concluding thoughts</a:t>
             </a:r>
             <a:endParaRPr lang="en-US" dirty="0"/>
           </a:p>
@@ -10123,65 +10145,32 @@
         </p:nvSpPr>
         <p:spPr/>
         <p:txBody>
-          <a:bodyPr/>
+          <a:bodyPr>
+            <a:normAutofit/>
+          </a:bodyPr>
           <a:lstStyle/>
           <a:p>
             <a:r>
               <a:rPr lang="en-US" dirty="0" smtClean="0"/>
-              <a:t>Use the </a:t>
-            </a:r>
-            <a:r>
-              <a:rPr lang="en-US" dirty="0" smtClean="0">
-                <a:hlinkClick r:id="rId2"/>
-              </a:rPr>
-              <a:t>ngs-</a:t>
-            </a:r>
-            <a:r>
-              <a:rPr lang="en-US" dirty="0" smtClean="0">
-                <a:hlinkClick r:id="rId2"/>
-              </a:rPr>
-              <a:t>2015@</a:t>
-            </a:r>
-            <a:r>
-              <a:rPr lang="en-US" dirty="0" smtClean="0">
-                <a:hlinkClick r:id="rId2"/>
-              </a:rPr>
-              <a:t>lists.idyll.org</a:t>
-            </a:r>
-            <a:r>
-              <a:rPr lang="en-US" dirty="0" smtClean="0"/>
-              <a:t> list to organize things!</a:t>
-            </a:r>
-          </a:p>
-          <a:p>
-            <a:r>
-              <a:rPr lang="en-US" dirty="0" smtClean="0"/>
-              <a:t>Twitter: #</a:t>
-            </a:r>
-            <a:r>
-              <a:rPr lang="en-US" dirty="0" smtClean="0"/>
-              <a:t>ngs2015; </a:t>
-            </a:r>
-            <a:r>
-              <a:rPr lang="en-US" dirty="0" smtClean="0"/>
-              <a:t>I’m @</a:t>
-            </a:r>
-            <a:r>
-              <a:rPr lang="en-US" dirty="0" err="1" smtClean="0"/>
-              <a:t>ctitusbrown</a:t>
-            </a:r>
-            <a:endParaRPr lang="en-US" dirty="0" smtClean="0"/>
-          </a:p>
-          <a:p>
-            <a:r>
-              <a:rPr lang="en-US" dirty="0" smtClean="0"/>
-              <a:t>Facebook </a:t>
-            </a:r>
-            <a:r>
-              <a:rPr lang="en-US" dirty="0" smtClean="0"/>
-              <a:t>group.</a:t>
-            </a:r>
-            <a:endParaRPr lang="en-US" dirty="0" smtClean="0"/>
+              <a:t>There’s what you can do today, computationally, with existing programs.  This is often limited by our time, experience, etc.</a:t>
+            </a:r>
+            <a:endParaRPr lang="en-US" dirty="0"/>
+          </a:p>
+          <a:p>
+            <a:r>
+              <a:rPr lang="en-US" dirty="0" smtClean="0"/>
+              <a:t>There’s what you could, in theory, do with the data you had.  This is the upper limit on your accuracy.</a:t>
+            </a:r>
+            <a:endParaRPr lang="en-US" dirty="0"/>
+          </a:p>
+          <a:p>
+            <a:r>
+              <a:rPr lang="en-US" dirty="0" smtClean="0"/>
+              <a:t>Figuring out the difference is one of the main reasons you’re here :)</a:t>
+            </a:r>
+          </a:p>
+          <a:p>
+            <a:endParaRPr lang="en-US" dirty="0"/>
           </a:p>
           <a:p>
             <a:endParaRPr lang="en-US" dirty="0"/>
@@ -10191,7 +10180,7 @@
     </p:spTree>
     <p:extLst>
       <p:ext uri="{BB962C8B-B14F-4D97-AF65-F5344CB8AC3E}">
-        <p14:creationId xmlns:p14="http://schemas.microsoft.com/office/powerpoint/2010/main" val="2708484105"/>
+        <p14:creationId xmlns:p14="http://schemas.microsoft.com/office/powerpoint/2010/main" val="2951917003"/>
       </p:ext>
     </p:extLst>
   </p:cSld>
@@ -10234,6 +10223,136 @@
           <a:lstStyle/>
           <a:p>
             <a:r>
+              <a:rPr lang="en-US" smtClean="0"/>
+              <a:t>Process and materials!</a:t>
+            </a:r>
+            <a:endParaRPr lang="en-US" dirty="0"/>
+          </a:p>
+        </p:txBody>
+      </p:sp>
+      <p:sp>
+        <p:nvSpPr>
+          <p:cNvPr id="3" name="Content Placeholder 2"/>
+          <p:cNvSpPr>
+            <a:spLocks noGrp="1"/>
+          </p:cNvSpPr>
+          <p:nvPr>
+            <p:ph idx="1"/>
+          </p:nvPr>
+        </p:nvSpPr>
+        <p:spPr/>
+        <p:txBody>
+          <a:bodyPr/>
+          <a:lstStyle/>
+          <a:p>
+            <a:r>
+              <a:rPr lang="en-US" dirty="0" smtClean="0"/>
+              <a:t>Use the </a:t>
+            </a:r>
+            <a:r>
+              <a:rPr lang="en-US" dirty="0" smtClean="0">
+                <a:hlinkClick r:id="rId2"/>
+              </a:rPr>
+              <a:t>ngs-</a:t>
+            </a:r>
+            <a:r>
+              <a:rPr lang="en-US" dirty="0" smtClean="0">
+                <a:hlinkClick r:id="rId2"/>
+              </a:rPr>
+              <a:t>2015@</a:t>
+            </a:r>
+            <a:r>
+              <a:rPr lang="en-US" dirty="0" smtClean="0">
+                <a:hlinkClick r:id="rId2"/>
+              </a:rPr>
+              <a:t>lists.idyll.org</a:t>
+            </a:r>
+            <a:r>
+              <a:rPr lang="en-US" dirty="0" smtClean="0"/>
+              <a:t> list to organize things!</a:t>
+            </a:r>
+          </a:p>
+          <a:p>
+            <a:r>
+              <a:rPr lang="en-US" dirty="0" smtClean="0"/>
+              <a:t>Twitter: #</a:t>
+            </a:r>
+            <a:r>
+              <a:rPr lang="en-US" dirty="0" smtClean="0"/>
+              <a:t>ngs2015; </a:t>
+            </a:r>
+            <a:r>
+              <a:rPr lang="en-US" dirty="0" smtClean="0"/>
+              <a:t>I’m @</a:t>
+            </a:r>
+            <a:r>
+              <a:rPr lang="en-US" dirty="0" err="1" smtClean="0"/>
+              <a:t>ctitusbrown</a:t>
+            </a:r>
+            <a:endParaRPr lang="en-US" dirty="0" smtClean="0"/>
+          </a:p>
+          <a:p>
+            <a:r>
+              <a:rPr lang="en-US" dirty="0" smtClean="0"/>
+              <a:t>Facebook </a:t>
+            </a:r>
+            <a:r>
+              <a:rPr lang="en-US" dirty="0" smtClean="0"/>
+              <a:t>group.</a:t>
+            </a:r>
+            <a:endParaRPr lang="en-US" dirty="0" smtClean="0"/>
+          </a:p>
+          <a:p>
+            <a:endParaRPr lang="en-US" dirty="0"/>
+          </a:p>
+        </p:txBody>
+      </p:sp>
+    </p:spTree>
+    <p:extLst>
+      <p:ext uri="{BB962C8B-B14F-4D97-AF65-F5344CB8AC3E}">
+        <p14:creationId xmlns:p14="http://schemas.microsoft.com/office/powerpoint/2010/main" val="2708484105"/>
+      </p:ext>
+    </p:extLst>
+  </p:cSld>
+  <p:clrMapOvr>
+    <a:masterClrMapping/>
+  </p:clrMapOvr>
+</p:sld>
+</file>
+
+<file path=ppt/slides/slide28.xml><?xml version="1.0" encoding="utf-8"?>
+<p:sld xmlns:a="http://schemas.openxmlformats.org/drawingml/2006/main" xmlns:r="http://schemas.openxmlformats.org/officeDocument/2006/relationships" xmlns:p="http://schemas.openxmlformats.org/presentationml/2006/main">
+  <p:cSld>
+    <p:spTree>
+      <p:nvGrpSpPr>
+        <p:cNvPr id="1" name=""/>
+        <p:cNvGrpSpPr/>
+        <p:nvPr/>
+      </p:nvGrpSpPr>
+      <p:grpSpPr>
+        <a:xfrm>
+          <a:off x="0" y="0"/>
+          <a:ext cx="0" cy="0"/>
+          <a:chOff x="0" y="0"/>
+          <a:chExt cx="0" cy="0"/>
+        </a:xfrm>
+      </p:grpSpPr>
+      <p:sp>
+        <p:nvSpPr>
+          <p:cNvPr id="2" name="Title 1"/>
+          <p:cNvSpPr>
+            <a:spLocks noGrp="1"/>
+          </p:cNvSpPr>
+          <p:nvPr>
+            <p:ph type="title"/>
+          </p:nvPr>
+        </p:nvSpPr>
+        <p:spPr/>
+        <p:txBody>
+          <a:bodyPr/>
+          <a:lstStyle/>
+          <a:p>
+            <a:r>
               <a:rPr lang="en-US" dirty="0" smtClean="0"/>
               <a:t>Use the </a:t>
             </a:r>
@@ -10281,7 +10400,7 @@
 </p:sld>
 </file>
 
-<file path=ppt/slides/slide28.xml><?xml version="1.0" encoding="utf-8"?>
+<file path=ppt/slides/slide29.xml><?xml version="1.0" encoding="utf-8"?>
 <p:sld xmlns:a="http://schemas.openxmlformats.org/drawingml/2006/main" xmlns:r="http://schemas.openxmlformats.org/officeDocument/2006/relationships" xmlns:p="http://schemas.openxmlformats.org/presentationml/2006/main">
   <p:cSld>
     <p:spTree>
